--- a/lecture_slides/09_data_communication_poster/2025F_mgmt474_poster_template.pptx
+++ b/lecture_slides/09_data_communication_poster/2025F_mgmt474_poster_template.pptx
@@ -1372,7 +1372,7 @@
           <a:p>
             <a:fld id="{A1989CD4-C2C3-40A0-9FF9-B395EEEFAF44}" type="datetimeFigureOut">
               <a:rPr lang="en-US" smtClean="0"/>
-              <a:t>10/24/25</a:t>
+              <a:t>11/5/25</a:t>
             </a:fld>
             <a:endParaRPr lang="en-US"/>
           </a:p>
@@ -1549,7 +1549,7 @@
           <a:p>
             <a:fld id="{53E82495-20E6-4DC4-B68F-C6FBB8E26F6D}" type="datetimeFigureOut">
               <a:rPr lang="en-US" smtClean="0"/>
-              <a:t>10/24/25</a:t>
+              <a:t>11/5/25</a:t>
             </a:fld>
             <a:endParaRPr lang="en-US"/>
           </a:p>
@@ -11753,7 +11753,7 @@
         </p:nvSpPr>
         <p:spPr bwMode="auto">
           <a:xfrm>
-            <a:off x="24513282" y="17750362"/>
+            <a:off x="24513282" y="16804432"/>
             <a:ext cx="6832963" cy="478528"/>
           </a:xfrm>
           <a:prstGeom prst="rect">
@@ -11803,7 +11803,7 @@
         </p:nvSpPr>
         <p:spPr>
           <a:xfrm>
-            <a:off x="26378650" y="17774956"/>
+            <a:off x="26378650" y="16829026"/>
             <a:ext cx="3278441" cy="393077"/>
           </a:xfrm>
           <a:prstGeom prst="rect">
@@ -11845,8 +11845,8 @@
         </p:nvSpPr>
         <p:spPr>
           <a:xfrm>
-            <a:off x="24700578" y="18425509"/>
-            <a:ext cx="6335361" cy="834029"/>
+            <a:off x="24700578" y="17479579"/>
+            <a:ext cx="6335361" cy="1569660"/>
           </a:xfrm>
           <a:prstGeom prst="rect">
             <a:avLst/>
@@ -11859,40 +11859,11 @@
           </a:bodyPr>
           <a:lstStyle/>
           <a:p>
-            <a:pPr algn="just"/>
             <a:r>
-              <a:rPr lang="en-US" sz="1608" dirty="0">
-                <a:latin typeface="Arial" panose="020B0604020202020204" pitchFamily="34" charset="0"/>
-                <a:cs typeface="Arial" panose="020B0604020202020204" pitchFamily="34" charset="0"/>
-              </a:rPr>
-              <a:t>Provide bulleted list.</a:t>
+              <a:rPr lang="en-US" sz="1600" i="1" dirty="0"/>
+              <a:t>We want to thank Professor Davi Moreira for his mentorship throughout the project. We are also grateful to our TAs, First Name Last Name and First Name Last Name, for their guidance. This work was supported by the Mitch. Daniels School of Business. We also acknowledge the Undergraduate Research Center and Purdue University for providing this valuable opportunity.</a:t>
             </a:r>
-          </a:p>
-          <a:p>
-            <a:pPr marL="182624" indent="-182624" algn="just">
-              <a:buFont typeface="Wingdings" panose="05000000000000000000" pitchFamily="2" charset="2"/>
-              <a:buChar char="Ø"/>
-            </a:pPr>
-            <a:r>
-              <a:rPr lang="en-US" sz="1608" dirty="0">
-                <a:latin typeface="Arial" panose="020B0604020202020204" pitchFamily="34" charset="0"/>
-                <a:cs typeface="Arial" panose="020B0604020202020204" pitchFamily="34" charset="0"/>
-              </a:rPr>
-              <a:t>XXX</a:t>
-            </a:r>
-          </a:p>
-          <a:p>
-            <a:pPr marL="182624" indent="-182624" algn="just">
-              <a:buFont typeface="Wingdings" panose="05000000000000000000" pitchFamily="2" charset="2"/>
-              <a:buChar char="Ø"/>
-            </a:pPr>
-            <a:r>
-              <a:rPr lang="en-US" sz="1608" dirty="0">
-                <a:latin typeface="Arial" panose="020B0604020202020204" pitchFamily="34" charset="0"/>
-                <a:cs typeface="Arial" panose="020B0604020202020204" pitchFamily="34" charset="0"/>
-              </a:rPr>
-              <a:t>XXX</a:t>
-            </a:r>
+            <a:endParaRPr lang="en-US" sz="1600" dirty="0"/>
           </a:p>
         </p:txBody>
       </p:sp>
@@ -13461,12 +13432,6 @@
 </file>
 
 <file path=customXml/item1.xml><?xml version="1.0" encoding="utf-8"?>
-<p:properties xmlns:p="http://schemas.microsoft.com/office/2006/metadata/properties" xmlns:xsi="http://www.w3.org/2001/XMLSchema-instance" xmlns:pc="http://schemas.microsoft.com/office/infopath/2007/PartnerControls">
-  <documentManagement/>
-</p:properties>
-</file>
-
-<file path=customXml/item2.xml><?xml version="1.0" encoding="utf-8"?>
 <ct:contentTypeSchema xmlns:ct="http://schemas.microsoft.com/office/2006/metadata/contentType" xmlns:ma="http://schemas.microsoft.com/office/2006/metadata/properties/metaAttributes" ct:_="" ma:_="" ma:contentTypeName="Document" ma:contentTypeID="0x010100F8275B0F64C39D45B48ED87B7D5A772E" ma:contentTypeVersion="13" ma:contentTypeDescription="Create a new document." ma:contentTypeScope="" ma:versionID="a62b194ba624c8cf62b60144cd5b8a77">
   <xsd:schema xmlns:xsd="http://www.w3.org/2001/XMLSchema" xmlns:xs="http://www.w3.org/2001/XMLSchema" xmlns:p="http://schemas.microsoft.com/office/2006/metadata/properties" xmlns:ns3="b1755f8e-5024-43d4-9f4e-f0720ef5cbea" xmlns:ns4="b60307e8-227d-4226-bf3f-3f3e3f614599" targetNamespace="http://schemas.microsoft.com/office/2006/metadata/properties" ma:root="true" ma:fieldsID="f7af95be82f763595ac7849bdb709092" ns3:_="" ns4:_="">
     <xsd:import namespace="b1755f8e-5024-43d4-9f4e-f0720ef5cbea"/>
@@ -13689,7 +13654,7 @@
 </ct:contentTypeSchema>
 </file>
 
-<file path=customXml/item3.xml><?xml version="1.0" encoding="utf-8"?>
+<file path=customXml/item2.xml><?xml version="1.0" encoding="utf-8"?>
 <?mso-contentType ?>
 <FormTemplates xmlns="http://schemas.microsoft.com/sharepoint/v3/contenttype/forms">
   <Display>DocumentLibraryForm</Display>
@@ -13698,24 +13663,13 @@
 </FormTemplates>
 </file>
 
-<file path=customXml/itemProps1.xml><?xml version="1.0" encoding="utf-8"?>
-<ds:datastoreItem xmlns:ds="http://schemas.openxmlformats.org/officeDocument/2006/customXml" ds:itemID="{BBE5E52D-EB9D-4B72-A928-24760AE9C86A}">
-  <ds:schemaRefs>
-    <ds:schemaRef ds:uri="http://purl.org/dc/dcmitype/"/>
-    <ds:schemaRef ds:uri="http://purl.org/dc/elements/1.1/"/>
-    <ds:schemaRef ds:uri="http://www.w3.org/XML/1998/namespace"/>
-    <ds:schemaRef ds:uri="http://purl.org/dc/terms/"/>
-    <ds:schemaRef ds:uri="http://schemas.microsoft.com/office/2006/metadata/properties"/>
-    <ds:schemaRef ds:uri="b60307e8-227d-4226-bf3f-3f3e3f614599"/>
-    <ds:schemaRef ds:uri="http://schemas.microsoft.com/office/2006/documentManagement/types"/>
-    <ds:schemaRef ds:uri="http://schemas.microsoft.com/office/infopath/2007/PartnerControls"/>
-    <ds:schemaRef ds:uri="http://schemas.openxmlformats.org/package/2006/metadata/core-properties"/>
-    <ds:schemaRef ds:uri="b1755f8e-5024-43d4-9f4e-f0720ef5cbea"/>
-  </ds:schemaRefs>
-</ds:datastoreItem>
+<file path=customXml/item3.xml><?xml version="1.0" encoding="utf-8"?>
+<p:properties xmlns:p="http://schemas.microsoft.com/office/2006/metadata/properties" xmlns:xsi="http://www.w3.org/2001/XMLSchema-instance" xmlns:pc="http://schemas.microsoft.com/office/infopath/2007/PartnerControls">
+  <documentManagement/>
+</p:properties>
 </file>
 
-<file path=customXml/itemProps2.xml><?xml version="1.0" encoding="utf-8"?>
+<file path=customXml/itemProps1.xml><?xml version="1.0" encoding="utf-8"?>
 <ds:datastoreItem xmlns:ds="http://schemas.openxmlformats.org/officeDocument/2006/customXml" ds:itemID="{8BA11E28-B7DB-49AA-A1E7-5E933385601E}">
   <ds:schemaRefs>
     <ds:schemaRef ds:uri="b1755f8e-5024-43d4-9f4e-f0720ef5cbea"/>
@@ -13734,10 +13688,27 @@
 </ds:datastoreItem>
 </file>
 
-<file path=customXml/itemProps3.xml><?xml version="1.0" encoding="utf-8"?>
+<file path=customXml/itemProps2.xml><?xml version="1.0" encoding="utf-8"?>
 <ds:datastoreItem xmlns:ds="http://schemas.openxmlformats.org/officeDocument/2006/customXml" ds:itemID="{F99380DB-4B35-4657-950C-6BBA781E421E}">
   <ds:schemaRefs>
     <ds:schemaRef ds:uri="http://schemas.microsoft.com/sharepoint/v3/contenttype/forms"/>
   </ds:schemaRefs>
 </ds:datastoreItem>
+</file>
+
+<file path=customXml/itemProps3.xml><?xml version="1.0" encoding="utf-8"?>
+<ds:datastoreItem xmlns:ds="http://schemas.openxmlformats.org/officeDocument/2006/customXml" ds:itemID="{BBE5E52D-EB9D-4B72-A928-24760AE9C86A}">
+  <ds:schemaRefs>
+    <ds:schemaRef ds:uri="http://purl.org/dc/dcmitype/"/>
+    <ds:schemaRef ds:uri="http://purl.org/dc/elements/1.1/"/>
+    <ds:schemaRef ds:uri="http://www.w3.org/XML/1998/namespace"/>
+    <ds:schemaRef ds:uri="http://purl.org/dc/terms/"/>
+    <ds:schemaRef ds:uri="http://schemas.microsoft.com/office/2006/metadata/properties"/>
+    <ds:schemaRef ds:uri="b60307e8-227d-4226-bf3f-3f3e3f614599"/>
+    <ds:schemaRef ds:uri="http://schemas.microsoft.com/office/2006/documentManagement/types"/>
+    <ds:schemaRef ds:uri="http://schemas.microsoft.com/office/infopath/2007/PartnerControls"/>
+    <ds:schemaRef ds:uri="http://schemas.openxmlformats.org/package/2006/metadata/core-properties"/>
+    <ds:schemaRef ds:uri="b1755f8e-5024-43d4-9f4e-f0720ef5cbea"/>
+  </ds:schemaRefs>
+</ds:datastoreItem>
 </file>